--- a/assets/images_setup/이미지.pptx
+++ b/assets/images_setup/이미지.pptx
@@ -104,6 +104,11 @@
       </a:defRPr>
     </a:lvl9pPr>
   </p:defaultTextStyle>
+  <p:extLst>
+    <p:ext uri="{EFAFB233-063F-42B5-8137-9DF3F51BA10A}">
+      <p15:sldGuideLst xmlns:p15="http://schemas.microsoft.com/office/powerpoint/2012/main"/>
+    </p:ext>
+  </p:extLst>
 </p:presentation>
 </file>
 
@@ -238,7 +243,7 @@
           <a:p>
             <a:fld id="{433C75CA-ADC6-4AEC-B345-63E0D645DC48}" type="datetimeFigureOut">
               <a:rPr lang="ko-KR" altLang="en-US" smtClean="0"/>
-              <a:t>2019-10-10</a:t>
+              <a:t>2019-10-19</a:t>
             </a:fld>
             <a:endParaRPr lang="ko-KR" altLang="en-US"/>
           </a:p>
@@ -408,7 +413,7 @@
           <a:p>
             <a:fld id="{433C75CA-ADC6-4AEC-B345-63E0D645DC48}" type="datetimeFigureOut">
               <a:rPr lang="ko-KR" altLang="en-US" smtClean="0"/>
-              <a:t>2019-10-10</a:t>
+              <a:t>2019-10-19</a:t>
             </a:fld>
             <a:endParaRPr lang="ko-KR" altLang="en-US"/>
           </a:p>
@@ -588,7 +593,7 @@
           <a:p>
             <a:fld id="{433C75CA-ADC6-4AEC-B345-63E0D645DC48}" type="datetimeFigureOut">
               <a:rPr lang="ko-KR" altLang="en-US" smtClean="0"/>
-              <a:t>2019-10-10</a:t>
+              <a:t>2019-10-19</a:t>
             </a:fld>
             <a:endParaRPr lang="ko-KR" altLang="en-US"/>
           </a:p>
@@ -758,7 +763,7 @@
           <a:p>
             <a:fld id="{433C75CA-ADC6-4AEC-B345-63E0D645DC48}" type="datetimeFigureOut">
               <a:rPr lang="ko-KR" altLang="en-US" smtClean="0"/>
-              <a:t>2019-10-10</a:t>
+              <a:t>2019-10-19</a:t>
             </a:fld>
             <a:endParaRPr lang="ko-KR" altLang="en-US"/>
           </a:p>
@@ -1004,7 +1009,7 @@
           <a:p>
             <a:fld id="{433C75CA-ADC6-4AEC-B345-63E0D645DC48}" type="datetimeFigureOut">
               <a:rPr lang="ko-KR" altLang="en-US" smtClean="0"/>
-              <a:t>2019-10-10</a:t>
+              <a:t>2019-10-19</a:t>
             </a:fld>
             <a:endParaRPr lang="ko-KR" altLang="en-US"/>
           </a:p>
@@ -1236,7 +1241,7 @@
           <a:p>
             <a:fld id="{433C75CA-ADC6-4AEC-B345-63E0D645DC48}" type="datetimeFigureOut">
               <a:rPr lang="ko-KR" altLang="en-US" smtClean="0"/>
-              <a:t>2019-10-10</a:t>
+              <a:t>2019-10-19</a:t>
             </a:fld>
             <a:endParaRPr lang="ko-KR" altLang="en-US"/>
           </a:p>
@@ -1603,7 +1608,7 @@
           <a:p>
             <a:fld id="{433C75CA-ADC6-4AEC-B345-63E0D645DC48}" type="datetimeFigureOut">
               <a:rPr lang="ko-KR" altLang="en-US" smtClean="0"/>
-              <a:t>2019-10-10</a:t>
+              <a:t>2019-10-19</a:t>
             </a:fld>
             <a:endParaRPr lang="ko-KR" altLang="en-US"/>
           </a:p>
@@ -1721,7 +1726,7 @@
           <a:p>
             <a:fld id="{433C75CA-ADC6-4AEC-B345-63E0D645DC48}" type="datetimeFigureOut">
               <a:rPr lang="ko-KR" altLang="en-US" smtClean="0"/>
-              <a:t>2019-10-10</a:t>
+              <a:t>2019-10-19</a:t>
             </a:fld>
             <a:endParaRPr lang="ko-KR" altLang="en-US"/>
           </a:p>
@@ -1816,7 +1821,7 @@
           <a:p>
             <a:fld id="{433C75CA-ADC6-4AEC-B345-63E0D645DC48}" type="datetimeFigureOut">
               <a:rPr lang="ko-KR" altLang="en-US" smtClean="0"/>
-              <a:t>2019-10-10</a:t>
+              <a:t>2019-10-19</a:t>
             </a:fld>
             <a:endParaRPr lang="ko-KR" altLang="en-US"/>
           </a:p>
@@ -2093,7 +2098,7 @@
           <a:p>
             <a:fld id="{433C75CA-ADC6-4AEC-B345-63E0D645DC48}" type="datetimeFigureOut">
               <a:rPr lang="ko-KR" altLang="en-US" smtClean="0"/>
-              <a:t>2019-10-10</a:t>
+              <a:t>2019-10-19</a:t>
             </a:fld>
             <a:endParaRPr lang="ko-KR" altLang="en-US"/>
           </a:p>
@@ -2346,7 +2351,7 @@
           <a:p>
             <a:fld id="{433C75CA-ADC6-4AEC-B345-63E0D645DC48}" type="datetimeFigureOut">
               <a:rPr lang="ko-KR" altLang="en-US" smtClean="0"/>
-              <a:t>2019-10-10</a:t>
+              <a:t>2019-10-19</a:t>
             </a:fld>
             <a:endParaRPr lang="ko-KR" altLang="en-US"/>
           </a:p>
@@ -2559,7 +2564,7 @@
           <a:p>
             <a:fld id="{433C75CA-ADC6-4AEC-B345-63E0D645DC48}" type="datetimeFigureOut">
               <a:rPr lang="ko-KR" altLang="en-US" smtClean="0"/>
-              <a:t>2019-10-10</a:t>
+              <a:t>2019-10-19</a:t>
             </a:fld>
             <a:endParaRPr lang="ko-KR" altLang="en-US"/>
           </a:p>
@@ -2964,41 +2969,147 @@
           <a:chExt cx="0" cy="0"/>
         </a:xfrm>
       </p:grpSpPr>
-      <p:sp>
-        <p:nvSpPr>
-          <p:cNvPr id="2" name="제목 1"/>
-          <p:cNvSpPr>
-            <a:spLocks noGrp="1"/>
-          </p:cNvSpPr>
-          <p:nvPr>
-            <p:ph type="ctrTitle"/>
-          </p:nvPr>
-        </p:nvSpPr>
-        <p:spPr/>
-        <p:txBody>
-          <a:bodyPr/>
-          <a:lstStyle/>
-          <a:p>
-            <a:endParaRPr lang="ko-KR" altLang="en-US"/>
-          </a:p>
-        </p:txBody>
-      </p:sp>
-      <p:sp>
-        <p:nvSpPr>
-          <p:cNvPr id="3" name="부제목 2"/>
-          <p:cNvSpPr>
-            <a:spLocks noGrp="1"/>
-          </p:cNvSpPr>
-          <p:nvPr>
-            <p:ph type="subTitle" idx="1"/>
-          </p:nvPr>
-        </p:nvSpPr>
-        <p:spPr/>
-        <p:txBody>
-          <a:bodyPr/>
-          <a:lstStyle/>
-          <a:p>
-            <a:endParaRPr lang="ko-KR" altLang="en-US"/>
+      <p:pic>
+        <p:nvPicPr>
+          <p:cNvPr id="4" name="그림 3"/>
+          <p:cNvPicPr>
+            <a:picLocks noChangeAspect="1"/>
+          </p:cNvPicPr>
+          <p:nvPr/>
+        </p:nvPicPr>
+        <p:blipFill>
+          <a:blip r:embed="rId2">
+            <a:extLst>
+              <a:ext uri="{28A0092B-C50C-407E-A947-70E740481C1C}">
+                <a14:useLocalDpi xmlns:a14="http://schemas.microsoft.com/office/drawing/2010/main" val="0"/>
+              </a:ext>
+            </a:extLst>
+          </a:blip>
+          <a:stretch>
+            <a:fillRect/>
+          </a:stretch>
+        </p:blipFill>
+        <p:spPr>
+          <a:xfrm>
+            <a:off x="4169664" y="0"/>
+            <a:ext cx="3852672" cy="6858000"/>
+          </a:xfrm>
+          <a:prstGeom prst="rect">
+            <a:avLst/>
+          </a:prstGeom>
+        </p:spPr>
+      </p:pic>
+      <p:sp>
+        <p:nvSpPr>
+          <p:cNvPr id="5" name="TextBox 4"/>
+          <p:cNvSpPr txBox="1"/>
+          <p:nvPr/>
+        </p:nvSpPr>
+        <p:spPr>
+          <a:xfrm>
+            <a:off x="4470394" y="4301705"/>
+            <a:ext cx="3251210" cy="1092607"/>
+          </a:xfrm>
+          <a:prstGeom prst="rect">
+            <a:avLst/>
+          </a:prstGeom>
+          <a:noFill/>
+        </p:spPr>
+        <p:txBody>
+          <a:bodyPr wrap="none" rtlCol="0">
+            <a:spAutoFit/>
+          </a:bodyPr>
+          <a:lstStyle/>
+          <a:p>
+            <a:pPr algn="ctr"/>
+            <a:r>
+              <a:rPr lang="ko-KR" altLang="en-US" dirty="0" err="1" smtClean="0">
+                <a:solidFill>
+                  <a:srgbClr val="FF0000"/>
+                </a:solidFill>
+              </a:rPr>
+              <a:t>안드로이드</a:t>
+            </a:r>
+            <a:r>
+              <a:rPr lang="ko-KR" altLang="en-US" dirty="0" smtClean="0">
+                <a:solidFill>
+                  <a:srgbClr val="FF0000"/>
+                </a:solidFill>
+              </a:rPr>
+              <a:t> 설정에서</a:t>
+            </a:r>
+            <a:endParaRPr lang="en-US" altLang="ko-KR" dirty="0" smtClean="0">
+              <a:solidFill>
+                <a:srgbClr val="FF0000"/>
+              </a:solidFill>
+            </a:endParaRPr>
+          </a:p>
+          <a:p>
+            <a:pPr algn="ctr"/>
+            <a:r>
+              <a:rPr lang="ko-KR" altLang="en-US" dirty="0" err="1" smtClean="0">
+                <a:solidFill>
+                  <a:srgbClr val="FF0000"/>
+                </a:solidFill>
+              </a:rPr>
+              <a:t>블루투스</a:t>
+            </a:r>
+            <a:r>
+              <a:rPr lang="ko-KR" altLang="en-US" dirty="0" smtClean="0">
+                <a:solidFill>
+                  <a:srgbClr val="FF0000"/>
+                </a:solidFill>
+              </a:rPr>
+              <a:t> 연결을 하지 마세요</a:t>
+            </a:r>
+            <a:r>
+              <a:rPr lang="en-US" altLang="ko-KR" dirty="0" smtClean="0">
+                <a:solidFill>
+                  <a:srgbClr val="FF0000"/>
+                </a:solidFill>
+              </a:rPr>
+              <a:t>.</a:t>
+            </a:r>
+          </a:p>
+          <a:p>
+            <a:pPr algn="ctr"/>
+            <a:endParaRPr lang="en-US" altLang="ko-KR" sz="1100" dirty="0" smtClean="0">
+              <a:solidFill>
+                <a:srgbClr val="FF0000"/>
+              </a:solidFill>
+            </a:endParaRPr>
+          </a:p>
+          <a:p>
+            <a:pPr algn="ctr"/>
+            <a:r>
+              <a:rPr lang="ko-KR" altLang="en-US" dirty="0" err="1" smtClean="0">
+                <a:solidFill>
+                  <a:srgbClr val="FF0000"/>
+                </a:solidFill>
+              </a:rPr>
+              <a:t>앱에서</a:t>
+            </a:r>
+            <a:r>
+              <a:rPr lang="ko-KR" altLang="en-US" dirty="0" smtClean="0">
+                <a:solidFill>
+                  <a:srgbClr val="FF0000"/>
+                </a:solidFill>
+              </a:rPr>
+              <a:t> 자동으로 연결됩니다</a:t>
+            </a:r>
+            <a:r>
+              <a:rPr lang="en-US" altLang="ko-KR" dirty="0" smtClean="0">
+                <a:solidFill>
+                  <a:srgbClr val="FF0000"/>
+                </a:solidFill>
+              </a:rPr>
+              <a:t>.</a:t>
+            </a:r>
+            <a:endParaRPr lang="ko-KR" altLang="en-US" dirty="0">
+              <a:solidFill>
+                <a:srgbClr val="FF0000"/>
+              </a:solidFill>
+            </a:endParaRPr>
           </a:p>
         </p:txBody>
       </p:sp>
